--- a/source/ArchitectureInDetail/WebServiceDetail/images_SOAP/materialSOAP.pptx
+++ b/source/ArchitectureInDetail/WebServiceDetail/images_SOAP/materialSOAP.pptx
@@ -224,7 +224,7 @@
             <a:fld id="{3BB47352-BF5A-4CD2-B029-996118CD8E01}" type="datetimeFigureOut">
               <a:rPr kumimoji="1" lang="ja-JP" altLang="en-US" smtClean="0"/>
               <a:pPr/>
-              <a:t>2016/6/21</a:t>
+              <a:t>2016/6/27</a:t>
             </a:fld>
             <a:endParaRPr kumimoji="1" lang="ja-JP" altLang="en-US" dirty="0"/>
           </a:p>
@@ -1401,7 +1401,7 @@
             <a:fld id="{7B9B12EC-6AA0-374B-A2D3-850081A07A26}" type="datetimeFigureOut">
               <a:rPr kumimoji="1" lang="ja-JP" altLang="en-US" smtClean="0"/>
               <a:pPr/>
-              <a:t>2016/6/21</a:t>
+              <a:t>2016/6/27</a:t>
             </a:fld>
             <a:endParaRPr kumimoji="1" lang="ja-JP" altLang="en-US" dirty="0"/>
           </a:p>
@@ -1605,7 +1605,7 @@
             <a:fld id="{7B9B12EC-6AA0-374B-A2D3-850081A07A26}" type="datetimeFigureOut">
               <a:rPr kumimoji="1" lang="ja-JP" altLang="en-US" smtClean="0"/>
               <a:pPr/>
-              <a:t>2016/6/21</a:t>
+              <a:t>2016/6/27</a:t>
             </a:fld>
             <a:endParaRPr kumimoji="1" lang="ja-JP" altLang="en-US" dirty="0"/>
           </a:p>
@@ -1819,7 +1819,7 @@
             <a:fld id="{7B9B12EC-6AA0-374B-A2D3-850081A07A26}" type="datetimeFigureOut">
               <a:rPr kumimoji="1" lang="ja-JP" altLang="en-US" smtClean="0"/>
               <a:pPr/>
-              <a:t>2016/6/21</a:t>
+              <a:t>2016/6/27</a:t>
             </a:fld>
             <a:endParaRPr kumimoji="1" lang="ja-JP" altLang="en-US" dirty="0"/>
           </a:p>
@@ -2023,7 +2023,7 @@
             <a:fld id="{7B9B12EC-6AA0-374B-A2D3-850081A07A26}" type="datetimeFigureOut">
               <a:rPr kumimoji="1" lang="ja-JP" altLang="en-US" smtClean="0"/>
               <a:pPr/>
-              <a:t>2016/6/21</a:t>
+              <a:t>2016/6/27</a:t>
             </a:fld>
             <a:endParaRPr kumimoji="1" lang="ja-JP" altLang="en-US" dirty="0"/>
           </a:p>
@@ -2271,7 +2271,7 @@
             <a:fld id="{7B9B12EC-6AA0-374B-A2D3-850081A07A26}" type="datetimeFigureOut">
               <a:rPr kumimoji="1" lang="ja-JP" altLang="en-US" smtClean="0"/>
               <a:pPr/>
-              <a:t>2016/6/21</a:t>
+              <a:t>2016/6/27</a:t>
             </a:fld>
             <a:endParaRPr kumimoji="1" lang="ja-JP" altLang="en-US" dirty="0"/>
           </a:p>
@@ -2625,7 +2625,7 @@
             <a:fld id="{7B9B12EC-6AA0-374B-A2D3-850081A07A26}" type="datetimeFigureOut">
               <a:rPr kumimoji="1" lang="ja-JP" altLang="en-US" smtClean="0"/>
               <a:pPr/>
-              <a:t>2016/6/21</a:t>
+              <a:t>2016/6/27</a:t>
             </a:fld>
             <a:endParaRPr kumimoji="1" lang="ja-JP" altLang="en-US" dirty="0"/>
           </a:p>
@@ -3113,7 +3113,7 @@
             <a:fld id="{7B9B12EC-6AA0-374B-A2D3-850081A07A26}" type="datetimeFigureOut">
               <a:rPr kumimoji="1" lang="ja-JP" altLang="en-US" smtClean="0"/>
               <a:pPr/>
-              <a:t>2016/6/21</a:t>
+              <a:t>2016/6/27</a:t>
             </a:fld>
             <a:endParaRPr kumimoji="1" lang="ja-JP" altLang="en-US" dirty="0"/>
           </a:p>
@@ -3233,7 +3233,7 @@
             <a:fld id="{7B9B12EC-6AA0-374B-A2D3-850081A07A26}" type="datetimeFigureOut">
               <a:rPr kumimoji="1" lang="ja-JP" altLang="en-US" smtClean="0"/>
               <a:pPr/>
-              <a:t>2016/6/21</a:t>
+              <a:t>2016/6/27</a:t>
             </a:fld>
             <a:endParaRPr kumimoji="1" lang="ja-JP" altLang="en-US" dirty="0"/>
           </a:p>
@@ -3330,7 +3330,7 @@
             <a:fld id="{7B9B12EC-6AA0-374B-A2D3-850081A07A26}" type="datetimeFigureOut">
               <a:rPr kumimoji="1" lang="ja-JP" altLang="en-US" smtClean="0"/>
               <a:pPr/>
-              <a:t>2016/6/21</a:t>
+              <a:t>2016/6/27</a:t>
             </a:fld>
             <a:endParaRPr kumimoji="1" lang="ja-JP" altLang="en-US" dirty="0"/>
           </a:p>
@@ -3641,7 +3641,7 @@
             <a:fld id="{7B9B12EC-6AA0-374B-A2D3-850081A07A26}" type="datetimeFigureOut">
               <a:rPr kumimoji="1" lang="ja-JP" altLang="en-US" smtClean="0"/>
               <a:pPr/>
-              <a:t>2016/6/21</a:t>
+              <a:t>2016/6/27</a:t>
             </a:fld>
             <a:endParaRPr kumimoji="1" lang="ja-JP" altLang="en-US" dirty="0"/>
           </a:p>
@@ -3896,7 +3896,7 @@
             <a:fld id="{7B9B12EC-6AA0-374B-A2D3-850081A07A26}" type="datetimeFigureOut">
               <a:rPr kumimoji="1" lang="ja-JP" altLang="en-US" smtClean="0"/>
               <a:pPr/>
-              <a:t>2016/6/21</a:t>
+              <a:t>2016/6/27</a:t>
             </a:fld>
             <a:endParaRPr kumimoji="1" lang="ja-JP" altLang="en-US" dirty="0"/>
           </a:p>
@@ -4143,7 +4143,7 @@
             <a:fld id="{7B9B12EC-6AA0-374B-A2D3-850081A07A26}" type="datetimeFigureOut">
               <a:rPr kumimoji="1" lang="ja-JP" altLang="en-US" smtClean="0"/>
               <a:pPr/>
-              <a:t>2016/6/21</a:t>
+              <a:t>2016/6/27</a:t>
             </a:fld>
             <a:endParaRPr kumimoji="1" lang="ja-JP" altLang="en-US" dirty="0"/>
           </a:p>
@@ -6354,15 +6354,16 @@
             <a:pPr algn="ctr"/>
             <a:r>
               <a:rPr lang="en-US" altLang="ja-JP" sz="1600" b="1" dirty="0" smtClean="0"/>
+              <a:t>Dynamic </a:t>
+            </a:r>
+          </a:p>
+          <a:p>
+            <a:pPr algn="ctr"/>
+            <a:r>
+              <a:rPr lang="en-US" altLang="ja-JP" sz="1600" b="1" dirty="0" smtClean="0"/>
               <a:t>Proxy </a:t>
             </a:r>
-          </a:p>
-          <a:p>
-            <a:pPr algn="ctr"/>
-            <a:r>
-              <a:rPr lang="en-US" altLang="ja-JP" sz="1600" b="1" dirty="0" smtClean="0"/>
-              <a:t>Object </a:t>
-            </a:r>
+            <a:endParaRPr lang="en-US" altLang="ja-JP" sz="1600" b="1" dirty="0" smtClean="0"/>
           </a:p>
         </p:txBody>
       </p:sp>
@@ -8089,15 +8090,16 @@
             <a:pPr algn="ctr"/>
             <a:r>
               <a:rPr lang="en-US" altLang="ja-JP" sz="1600" b="1" dirty="0" smtClean="0"/>
+              <a:t>Dynamic </a:t>
+            </a:r>
+          </a:p>
+          <a:p>
+            <a:pPr algn="ctr"/>
+            <a:r>
+              <a:rPr lang="en-US" altLang="ja-JP" sz="1600" b="1" dirty="0" smtClean="0"/>
               <a:t>Proxy </a:t>
             </a:r>
-          </a:p>
-          <a:p>
-            <a:pPr algn="ctr"/>
-            <a:r>
-              <a:rPr lang="en-US" altLang="ja-JP" sz="1600" b="1" dirty="0" smtClean="0"/>
-              <a:t>Object </a:t>
-            </a:r>
+            <a:endParaRPr lang="en-US" altLang="ja-JP" sz="1600" b="1" dirty="0" smtClean="0"/>
           </a:p>
         </p:txBody>
       </p:sp>
@@ -9473,16 +9475,18 @@
           <a:p>
             <a:pPr algn="ctr"/>
             <a:r>
+              <a:rPr lang="en-US" altLang="ja-JP" sz="1600" b="1" smtClean="0"/>
+              <a:t>Dynamic</a:t>
+            </a:r>
+            <a:endParaRPr lang="en-US" altLang="ja-JP" sz="1600" b="1" dirty="0" smtClean="0"/>
+          </a:p>
+          <a:p>
+            <a:pPr algn="ctr"/>
+            <a:r>
               <a:rPr lang="en-US" altLang="ja-JP" sz="1600" b="1" dirty="0" smtClean="0"/>
-              <a:t>Proxy </a:t>
-            </a:r>
-          </a:p>
-          <a:p>
-            <a:pPr algn="ctr"/>
-            <a:r>
-              <a:rPr lang="en-US" altLang="ja-JP" sz="1600" b="1" dirty="0" smtClean="0"/>
-              <a:t>Object </a:t>
-            </a:r>
+              <a:t>Proxy</a:t>
+            </a:r>
+            <a:endParaRPr lang="en-US" altLang="ja-JP" sz="1600" b="1" dirty="0" smtClean="0"/>
           </a:p>
         </p:txBody>
       </p:sp>
@@ -14737,7 +14741,7 @@
         <p:spPr>
           <a:xfrm>
             <a:off x="623965" y="2075035"/>
-            <a:ext cx="4303636" cy="2462193"/>
+            <a:ext cx="4303636" cy="1978045"/>
           </a:xfrm>
           <a:prstGeom prst="roundRect">
             <a:avLst/>
@@ -14854,7 +14858,7 @@
         </p:nvSpPr>
         <p:spPr>
           <a:xfrm>
-            <a:off x="626763" y="5035533"/>
+            <a:off x="626763" y="4551440"/>
             <a:ext cx="4235814" cy="1334490"/>
           </a:xfrm>
           <a:prstGeom prst="roundRect">
@@ -15265,7 +15269,7 @@
         </p:nvSpPr>
         <p:spPr>
           <a:xfrm>
-            <a:off x="623964" y="5196273"/>
+            <a:off x="623964" y="4712180"/>
             <a:ext cx="972256" cy="523220"/>
           </a:xfrm>
           <a:prstGeom prst="rect">
@@ -15671,7 +15675,7 @@
         </p:nvSpPr>
         <p:spPr>
           <a:xfrm>
-            <a:off x="2383542" y="4537228"/>
+            <a:off x="2383542" y="4053135"/>
             <a:ext cx="1323247" cy="338554"/>
           </a:xfrm>
           <a:prstGeom prst="rect">
@@ -15831,7 +15835,7 @@
         </p:nvSpPr>
         <p:spPr>
           <a:xfrm>
-            <a:off x="1814605" y="4536278"/>
+            <a:off x="1814605" y="4052185"/>
             <a:ext cx="431768" cy="510010"/>
           </a:xfrm>
           <a:prstGeom prst="downArrow">
@@ -16009,7 +16013,7 @@
         </p:nvSpPr>
         <p:spPr>
           <a:xfrm rot="18014877">
-            <a:off x="5127730" y="4167941"/>
+            <a:off x="5127730" y="3716116"/>
             <a:ext cx="431768" cy="803115"/>
           </a:xfrm>
           <a:prstGeom prst="downArrow">
@@ -16047,7 +16051,7 @@
         </p:nvSpPr>
         <p:spPr>
           <a:xfrm>
-            <a:off x="4862577" y="4839796"/>
+            <a:off x="4862577" y="4387971"/>
             <a:ext cx="1323247" cy="338554"/>
           </a:xfrm>
           <a:prstGeom prst="rect">
@@ -16207,7 +16211,7 @@
         </p:nvSpPr>
         <p:spPr>
           <a:xfrm>
-            <a:off x="1993775" y="5587981"/>
+            <a:off x="1993775" y="5103888"/>
             <a:ext cx="1582721" cy="528042"/>
           </a:xfrm>
           <a:prstGeom prst="flowChartDocument">
@@ -16252,80 +16256,16 @@
           </a:p>
         </p:txBody>
       </p:sp>
-      <p:sp>
-        <p:nvSpPr>
-          <p:cNvPr id="42" name="角丸四角形 41"/>
-          <p:cNvSpPr/>
-          <p:nvPr/>
-        </p:nvSpPr>
-        <p:spPr>
-          <a:xfrm>
-            <a:off x="843177" y="3955440"/>
-            <a:ext cx="2179377" cy="360000"/>
-          </a:xfrm>
-          <a:prstGeom prst="roundRect">
-            <a:avLst/>
-          </a:prstGeom>
-        </p:spPr>
-        <p:style>
-          <a:lnRef idx="1">
-            <a:schemeClr val="accent3"/>
-          </a:lnRef>
-          <a:fillRef idx="3">
-            <a:schemeClr val="accent3"/>
-          </a:fillRef>
-          <a:effectRef idx="2">
-            <a:schemeClr val="accent3"/>
-          </a:effectRef>
-          <a:fontRef idx="minor">
-            <a:schemeClr val="lt1"/>
-          </a:fontRef>
-        </p:style>
-        <p:txBody>
-          <a:bodyPr rtlCol="0" anchor="ctr"/>
-          <a:lstStyle/>
-          <a:p>
-            <a:pPr algn="ctr"/>
-            <a:r>
-              <a:rPr kumimoji="1" lang="en-US" altLang="ja-JP" sz="1600" b="1" dirty="0" err="1" smtClean="0">
-                <a:solidFill>
-                  <a:schemeClr val="bg1"/>
-                </a:solidFill>
-                <a:effectLst>
-                  <a:outerShdw blurRad="38100" dist="38100" dir="2700000" algn="tl">
-                    <a:srgbClr val="000000">
-                      <a:alpha val="43137"/>
-                    </a:srgbClr>
-                  </a:outerShdw>
-                </a:effectLst>
-              </a:rPr>
-              <a:t>ProxyClass</a:t>
-            </a:r>
-            <a:endParaRPr kumimoji="1" lang="ja-JP" altLang="en-US" sz="1600" b="1" dirty="0">
-              <a:solidFill>
-                <a:schemeClr val="bg1"/>
-              </a:solidFill>
-              <a:effectLst>
-                <a:outerShdw blurRad="38100" dist="38100" dir="2700000" algn="tl">
-                  <a:srgbClr val="000000">
-                    <a:alpha val="43137"/>
-                  </a:srgbClr>
-                </a:outerShdw>
-              </a:effectLst>
-            </a:endParaRPr>
-          </a:p>
-        </p:txBody>
-      </p:sp>
     </p:spTree>
   </p:cSld>
   <p:clrMapOvr>
     <a:masterClrMapping/>
   </p:clrMapOvr>
-  <mc:AlternateContent xmlns:mc="http://schemas.openxmlformats.org/markup-compatibility/2006">
-    <mc:Choice xmlns:p14="http://schemas.microsoft.com/office/powerpoint/2010/main" Requires="p14">
+  <mc:AlternateContent xmlns:mc="http://schemas.openxmlformats.org/markup-compatibility/2006" xmlns:p14="http://schemas.microsoft.com/office/powerpoint/2010/main">
+    <mc:Choice Requires="p14">
       <p:transition spd="slow" p14:dur="2000"/>
     </mc:Choice>
-    <mc:Fallback>
+    <mc:Fallback xmlns="">
       <p:transition spd="slow"/>
     </mc:Fallback>
   </mc:AlternateContent>
@@ -18844,15 +18784,17 @@
             <a:pPr algn="ctr"/>
             <a:r>
               <a:rPr lang="en-US" altLang="ja-JP" sz="1600" b="1" dirty="0" smtClean="0"/>
+              <a:t>Dynamic</a:t>
+            </a:r>
+            <a:r>
+              <a:rPr lang="ja-JP" altLang="en-US" sz="1600" b="1" dirty="0" smtClean="0"/>
+              <a:t> </a:t>
+            </a:r>
+            <a:r>
+              <a:rPr lang="en-US" altLang="ja-JP" sz="1600" b="1" dirty="0" smtClean="0"/>
               <a:t>Proxy </a:t>
             </a:r>
-          </a:p>
-          <a:p>
-            <a:pPr algn="ctr"/>
-            <a:r>
-              <a:rPr lang="en-US" altLang="ja-JP" sz="1600" b="1" dirty="0" smtClean="0"/>
-              <a:t>Object </a:t>
-            </a:r>
+            <a:endParaRPr lang="en-US" altLang="ja-JP" sz="1600" b="1" dirty="0" smtClean="0"/>
           </a:p>
         </p:txBody>
       </p:sp>

--- a/source/ArchitectureInDetail/WebServiceDetail/images_SOAP/materialSOAP.pptx
+++ b/source/ArchitectureInDetail/WebServiceDetail/images_SOAP/materialSOAP.pptx
@@ -6363,7 +6363,6 @@
               <a:rPr lang="en-US" altLang="ja-JP" sz="1600" b="1" dirty="0" smtClean="0"/>
               <a:t>Proxy </a:t>
             </a:r>
-            <a:endParaRPr lang="en-US" altLang="ja-JP" sz="1600" b="1" dirty="0" smtClean="0"/>
           </a:p>
         </p:txBody>
       </p:sp>
@@ -8099,7 +8098,6 @@
               <a:rPr lang="en-US" altLang="ja-JP" sz="1600" b="1" dirty="0" smtClean="0"/>
               <a:t>Proxy </a:t>
             </a:r>
-            <a:endParaRPr lang="en-US" altLang="ja-JP" sz="1600" b="1" dirty="0" smtClean="0"/>
           </a:p>
         </p:txBody>
       </p:sp>
@@ -9486,7 +9484,6 @@
               <a:rPr lang="en-US" altLang="ja-JP" sz="1600" b="1" dirty="0" smtClean="0"/>
               <a:t>Proxy</a:t>
             </a:r>
-            <a:endParaRPr lang="en-US" altLang="ja-JP" sz="1600" b="1" dirty="0" smtClean="0"/>
           </a:p>
         </p:txBody>
       </p:sp>
@@ -14741,7 +14738,7 @@
         <p:spPr>
           <a:xfrm>
             <a:off x="623965" y="2075035"/>
-            <a:ext cx="4303636" cy="1978045"/>
+            <a:ext cx="4303636" cy="2492134"/>
           </a:xfrm>
           <a:prstGeom prst="roundRect">
             <a:avLst/>
@@ -14858,7 +14855,7 @@
         </p:nvSpPr>
         <p:spPr>
           <a:xfrm>
-            <a:off x="626763" y="4551440"/>
+            <a:off x="626763" y="5067805"/>
             <a:ext cx="4235814" cy="1334490"/>
           </a:xfrm>
           <a:prstGeom prst="roundRect">
@@ -14983,7 +14980,7 @@
         </p:nvSpPr>
         <p:spPr>
           <a:xfrm>
-            <a:off x="847411" y="3399967"/>
+            <a:off x="868927" y="3387267"/>
             <a:ext cx="1440000" cy="360000"/>
           </a:xfrm>
           <a:prstGeom prst="roundRect">
@@ -15085,7 +15082,7 @@
         </p:nvSpPr>
         <p:spPr>
           <a:xfrm>
-            <a:off x="1039789" y="2718239"/>
+            <a:off x="1061305" y="2718239"/>
             <a:ext cx="914400" cy="369332"/>
           </a:xfrm>
           <a:prstGeom prst="rect">
@@ -15269,7 +15266,7 @@
         </p:nvSpPr>
         <p:spPr>
           <a:xfrm>
-            <a:off x="623964" y="4712180"/>
+            <a:off x="623964" y="5228545"/>
             <a:ext cx="972256" cy="523220"/>
           </a:xfrm>
           <a:prstGeom prst="rect">
@@ -15675,7 +15672,7 @@
         </p:nvSpPr>
         <p:spPr>
           <a:xfrm>
-            <a:off x="2383542" y="4053135"/>
+            <a:off x="2383542" y="4569500"/>
             <a:ext cx="1323247" cy="338554"/>
           </a:xfrm>
           <a:prstGeom prst="rect">
@@ -15835,7 +15832,7 @@
         </p:nvSpPr>
         <p:spPr>
           <a:xfrm>
-            <a:off x="1814605" y="4052185"/>
+            <a:off x="1814605" y="4568550"/>
             <a:ext cx="431768" cy="510010"/>
           </a:xfrm>
           <a:prstGeom prst="downArrow">
@@ -16013,7 +16010,7 @@
         </p:nvSpPr>
         <p:spPr>
           <a:xfrm rot="18014877">
-            <a:off x="5127730" y="3716116"/>
+            <a:off x="5127730" y="4189457"/>
             <a:ext cx="431768" cy="803115"/>
           </a:xfrm>
           <a:prstGeom prst="downArrow">
@@ -16051,7 +16048,7 @@
         </p:nvSpPr>
         <p:spPr>
           <a:xfrm>
-            <a:off x="4862577" y="4387971"/>
+            <a:off x="4862577" y="4861312"/>
             <a:ext cx="1323247" cy="338554"/>
           </a:xfrm>
           <a:prstGeom prst="rect">
@@ -16211,7 +16208,7 @@
         </p:nvSpPr>
         <p:spPr>
           <a:xfrm>
-            <a:off x="1993775" y="5103888"/>
+            <a:off x="1993775" y="5620253"/>
             <a:ext cx="1582721" cy="528042"/>
           </a:xfrm>
           <a:prstGeom prst="flowChartDocument">
@@ -16249,10 +16246,102 @@
           <a:p>
             <a:pPr algn="ctr"/>
             <a:r>
-              <a:rPr lang="en-US" altLang="ja-JP" sz="1600" b="1" dirty="0" err="1" smtClean="0"/>
+              <a:rPr lang="en-US" altLang="ja-JP" sz="1600" b="1" dirty="0" err="1" smtClean="0">
+                <a:effectLst>
+                  <a:outerShdw blurRad="38100" dist="38100" dir="2700000" algn="ctr" rotWithShape="0">
+                    <a:schemeClr val="tx1">
+                      <a:alpha val="43000"/>
+                    </a:schemeClr>
+                  </a:outerShdw>
+                </a:effectLst>
+              </a:rPr>
               <a:t>Infra.properties</a:t>
             </a:r>
-            <a:endParaRPr lang="en-US" altLang="ja-JP" sz="1600" b="1" dirty="0"/>
+            <a:endParaRPr lang="en-US" altLang="ja-JP" sz="1600" b="1" dirty="0">
+              <a:effectLst>
+                <a:outerShdw blurRad="38100" dist="38100" dir="2700000" algn="ctr" rotWithShape="0">
+                  <a:schemeClr val="tx1">
+                    <a:alpha val="43000"/>
+                  </a:schemeClr>
+                </a:outerShdw>
+              </a:effectLst>
+            </a:endParaRPr>
+          </a:p>
+        </p:txBody>
+      </p:sp>
+      <p:sp>
+        <p:nvSpPr>
+          <p:cNvPr id="45" name="フローチャート : 書類 49"/>
+          <p:cNvSpPr/>
+          <p:nvPr/>
+        </p:nvSpPr>
+        <p:spPr>
+          <a:xfrm>
+            <a:off x="858871" y="3930256"/>
+            <a:ext cx="1582721" cy="528042"/>
+          </a:xfrm>
+          <a:prstGeom prst="flowChartDocument">
+            <a:avLst/>
+          </a:prstGeom>
+          <a:gradFill>
+            <a:gsLst>
+              <a:gs pos="0">
+                <a:srgbClr val="A0CA4A"/>
+              </a:gs>
+              <a:gs pos="0">
+                <a:srgbClr val="A0CA4A"/>
+              </a:gs>
+              <a:gs pos="100000">
+                <a:srgbClr val="DCFFA0"/>
+              </a:gs>
+            </a:gsLst>
+          </a:gradFill>
+          <a:ln>
+            <a:solidFill>
+              <a:srgbClr val="98B954"/>
+            </a:solidFill>
+          </a:ln>
+        </p:spPr>
+        <p:style>
+          <a:lnRef idx="1">
+            <a:schemeClr val="accent4"/>
+          </a:lnRef>
+          <a:fillRef idx="3">
+            <a:schemeClr val="accent4"/>
+          </a:fillRef>
+          <a:effectRef idx="2">
+            <a:schemeClr val="accent4"/>
+          </a:effectRef>
+          <a:fontRef idx="minor">
+            <a:schemeClr val="lt1"/>
+          </a:fontRef>
+        </p:style>
+        <p:txBody>
+          <a:bodyPr rtlCol="0" anchor="ctr"/>
+          <a:lstStyle/>
+          <a:p>
+            <a:pPr algn="ctr"/>
+            <a:r>
+              <a:rPr lang="en-US" altLang="ja-JP" sz="1600" b="1" dirty="0" smtClean="0">
+                <a:effectLst>
+                  <a:outerShdw blurRad="38100" dist="38100" dir="2700000" algn="ctr" rotWithShape="0">
+                    <a:schemeClr val="tx1">
+                      <a:alpha val="43000"/>
+                    </a:schemeClr>
+                  </a:outerShdw>
+                </a:effectLst>
+              </a:rPr>
+              <a:t>domain.xml</a:t>
+            </a:r>
+            <a:endParaRPr lang="en-US" altLang="ja-JP" sz="1600" b="1" dirty="0">
+              <a:effectLst>
+                <a:outerShdw blurRad="38100" dist="38100" dir="2700000" algn="ctr" rotWithShape="0">
+                  <a:schemeClr val="tx1">
+                    <a:alpha val="43000"/>
+                  </a:schemeClr>
+                </a:outerShdw>
+              </a:effectLst>
+            </a:endParaRPr>
           </a:p>
         </p:txBody>
       </p:sp>
@@ -18794,7 +18883,6 @@
               <a:rPr lang="en-US" altLang="ja-JP" sz="1600" b="1" dirty="0" smtClean="0"/>
               <a:t>Proxy </a:t>
             </a:r>
-            <a:endParaRPr lang="en-US" altLang="ja-JP" sz="1600" b="1" dirty="0" smtClean="0"/>
           </a:p>
         </p:txBody>
       </p:sp>
